--- a/python/signal_flow.pptx
+++ b/python/signal_flow.pptx
@@ -6,6 +6,7 @@
   </p:sldMasterIdLst>
   <p:sldIdLst>
     <p:sldId id="257" r:id="rId2"/>
+    <p:sldId id="258" r:id="rId3"/>
   </p:sldIdLst>
   <p:sldSz cx="12192000" cy="6858000"/>
   <p:notesSz cx="6858000" cy="9144000"/>
@@ -259,7 +260,7 @@
           <a:p>
             <a:fld id="{FFFAE106-339A-4D36-A51E-76A12D8CBA29}" type="datetimeFigureOut">
               <a:rPr lang="en-US" smtClean="0"/>
-              <a:t>5/1/2024</a:t>
+              <a:t>5/8/2024</a:t>
             </a:fld>
             <a:endParaRPr lang="en-US"/>
           </a:p>
@@ -457,7 +458,7 @@
           <a:p>
             <a:fld id="{FFFAE106-339A-4D36-A51E-76A12D8CBA29}" type="datetimeFigureOut">
               <a:rPr lang="en-US" smtClean="0"/>
-              <a:t>5/1/2024</a:t>
+              <a:t>5/8/2024</a:t>
             </a:fld>
             <a:endParaRPr lang="en-US"/>
           </a:p>
@@ -665,7 +666,7 @@
           <a:p>
             <a:fld id="{FFFAE106-339A-4D36-A51E-76A12D8CBA29}" type="datetimeFigureOut">
               <a:rPr lang="en-US" smtClean="0"/>
-              <a:t>5/1/2024</a:t>
+              <a:t>5/8/2024</a:t>
             </a:fld>
             <a:endParaRPr lang="en-US"/>
           </a:p>
@@ -863,7 +864,7 @@
           <a:p>
             <a:fld id="{FFFAE106-339A-4D36-A51E-76A12D8CBA29}" type="datetimeFigureOut">
               <a:rPr lang="en-US" smtClean="0"/>
-              <a:t>5/1/2024</a:t>
+              <a:t>5/8/2024</a:t>
             </a:fld>
             <a:endParaRPr lang="en-US"/>
           </a:p>
@@ -1138,7 +1139,7 @@
           <a:p>
             <a:fld id="{FFFAE106-339A-4D36-A51E-76A12D8CBA29}" type="datetimeFigureOut">
               <a:rPr lang="en-US" smtClean="0"/>
-              <a:t>5/1/2024</a:t>
+              <a:t>5/8/2024</a:t>
             </a:fld>
             <a:endParaRPr lang="en-US"/>
           </a:p>
@@ -1403,7 +1404,7 @@
           <a:p>
             <a:fld id="{FFFAE106-339A-4D36-A51E-76A12D8CBA29}" type="datetimeFigureOut">
               <a:rPr lang="en-US" smtClean="0"/>
-              <a:t>5/1/2024</a:t>
+              <a:t>5/8/2024</a:t>
             </a:fld>
             <a:endParaRPr lang="en-US"/>
           </a:p>
@@ -1815,7 +1816,7 @@
           <a:p>
             <a:fld id="{FFFAE106-339A-4D36-A51E-76A12D8CBA29}" type="datetimeFigureOut">
               <a:rPr lang="en-US" smtClean="0"/>
-              <a:t>5/1/2024</a:t>
+              <a:t>5/8/2024</a:t>
             </a:fld>
             <a:endParaRPr lang="en-US"/>
           </a:p>
@@ -1956,7 +1957,7 @@
           <a:p>
             <a:fld id="{FFFAE106-339A-4D36-A51E-76A12D8CBA29}" type="datetimeFigureOut">
               <a:rPr lang="en-US" smtClean="0"/>
-              <a:t>5/1/2024</a:t>
+              <a:t>5/8/2024</a:t>
             </a:fld>
             <a:endParaRPr lang="en-US"/>
           </a:p>
@@ -2069,7 +2070,7 @@
           <a:p>
             <a:fld id="{FFFAE106-339A-4D36-A51E-76A12D8CBA29}" type="datetimeFigureOut">
               <a:rPr lang="en-US" smtClean="0"/>
-              <a:t>5/1/2024</a:t>
+              <a:t>5/8/2024</a:t>
             </a:fld>
             <a:endParaRPr lang="en-US"/>
           </a:p>
@@ -2380,7 +2381,7 @@
           <a:p>
             <a:fld id="{FFFAE106-339A-4D36-A51E-76A12D8CBA29}" type="datetimeFigureOut">
               <a:rPr lang="en-US" smtClean="0"/>
-              <a:t>5/1/2024</a:t>
+              <a:t>5/8/2024</a:t>
             </a:fld>
             <a:endParaRPr lang="en-US"/>
           </a:p>
@@ -2668,7 +2669,7 @@
           <a:p>
             <a:fld id="{FFFAE106-339A-4D36-A51E-76A12D8CBA29}" type="datetimeFigureOut">
               <a:rPr lang="en-US" smtClean="0"/>
-              <a:t>5/1/2024</a:t>
+              <a:t>5/8/2024</a:t>
             </a:fld>
             <a:endParaRPr lang="en-US"/>
           </a:p>
@@ -2909,7 +2910,7 @@
           <a:p>
             <a:fld id="{FFFAE106-339A-4D36-A51E-76A12D8CBA29}" type="datetimeFigureOut">
               <a:rPr lang="en-US" smtClean="0"/>
-              <a:t>5/1/2024</a:t>
+              <a:t>5/8/2024</a:t>
             </a:fld>
             <a:endParaRPr lang="en-US"/>
           </a:p>
@@ -3340,7 +3341,7 @@
         </p:nvSpPr>
         <p:spPr>
           <a:xfrm>
-            <a:off x="3089722" y="898973"/>
+            <a:off x="3072469" y="3081456"/>
             <a:ext cx="1716657" cy="1012596"/>
           </a:xfrm>
           <a:prstGeom prst="rect">
@@ -3392,7 +3393,7 @@
         </p:nvSpPr>
         <p:spPr>
           <a:xfrm>
-            <a:off x="3185373" y="1185600"/>
+            <a:off x="3168120" y="3368083"/>
             <a:ext cx="1621006" cy="369332"/>
           </a:xfrm>
           <a:prstGeom prst="rect">
@@ -3433,7 +3434,7 @@
         </p:nvCxnSpPr>
         <p:spPr>
           <a:xfrm>
-            <a:off x="2249476" y="1358639"/>
+            <a:off x="2232223" y="3541122"/>
             <a:ext cx="706755" cy="0"/>
           </a:xfrm>
           <a:prstGeom prst="straightConnector1">
@@ -3486,7 +3487,7 @@
         </p:blipFill>
         <p:spPr>
           <a:xfrm>
-            <a:off x="486242" y="574690"/>
+            <a:off x="468989" y="2757173"/>
             <a:ext cx="2214885" cy="1661163"/>
           </a:xfrm>
           <a:prstGeom prst="rect">
@@ -3522,7 +3523,7 @@
         </p:blipFill>
         <p:spPr>
           <a:xfrm>
-            <a:off x="5160026" y="574690"/>
+            <a:off x="5142773" y="2757173"/>
             <a:ext cx="2214884" cy="1661163"/>
           </a:xfrm>
           <a:prstGeom prst="rect">
@@ -3546,7 +3547,7 @@
         </p:nvCxnSpPr>
         <p:spPr>
           <a:xfrm>
-            <a:off x="4879552" y="1384922"/>
+            <a:off x="4862299" y="3567405"/>
             <a:ext cx="280474" cy="0"/>
           </a:xfrm>
           <a:prstGeom prst="straightConnector1">
@@ -3585,7 +3586,7 @@
         </p:nvSpPr>
         <p:spPr>
           <a:xfrm>
-            <a:off x="7534937" y="898973"/>
+            <a:off x="7517684" y="3081456"/>
             <a:ext cx="1716657" cy="1012596"/>
           </a:xfrm>
           <a:prstGeom prst="rect">
@@ -3637,7 +3638,7 @@
         </p:nvSpPr>
         <p:spPr>
           <a:xfrm>
-            <a:off x="7630588" y="1185600"/>
+            <a:off x="7613335" y="3368083"/>
             <a:ext cx="1621006" cy="369332"/>
           </a:xfrm>
           <a:prstGeom prst="rect">
@@ -3674,7 +3675,7 @@
         </p:nvCxnSpPr>
         <p:spPr>
           <a:xfrm>
-            <a:off x="7234673" y="1390624"/>
+            <a:off x="7217420" y="3573107"/>
             <a:ext cx="280474" cy="0"/>
           </a:xfrm>
           <a:prstGeom prst="straightConnector1">
@@ -3727,7 +3728,7 @@
         </p:blipFill>
         <p:spPr>
           <a:xfrm>
-            <a:off x="9490874" y="554340"/>
+            <a:off x="9473621" y="2736823"/>
             <a:ext cx="2214884" cy="1661163"/>
           </a:xfrm>
           <a:prstGeom prst="rect">
@@ -3751,7 +3752,7 @@
         </p:nvCxnSpPr>
         <p:spPr>
           <a:xfrm>
-            <a:off x="9308583" y="1424266"/>
+            <a:off x="9291330" y="3606749"/>
             <a:ext cx="280474" cy="0"/>
           </a:xfrm>
           <a:prstGeom prst="straightConnector1">
@@ -3776,12 +3777,42 @@
           </a:fontRef>
         </p:style>
       </p:cxnSp>
-      <p:sp>
-        <p:nvSpPr>
-          <p:cNvPr id="26" name="Rectangle 25">
-            <a:extLst>
-              <a:ext uri="{FF2B5EF4-FFF2-40B4-BE49-F238E27FC236}">
-                <a16:creationId xmlns:a16="http://schemas.microsoft.com/office/drawing/2014/main" id="{E7A9A952-7012-046C-CF8A-8D30244832DF}"/>
+    </p:spTree>
+    <p:extLst>
+      <p:ext uri="{BB962C8B-B14F-4D97-AF65-F5344CB8AC3E}">
+        <p14:creationId xmlns:p14="http://schemas.microsoft.com/office/powerpoint/2010/main" val="1601388228"/>
+      </p:ext>
+    </p:extLst>
+  </p:cSld>
+  <p:clrMapOvr>
+    <a:masterClrMapping/>
+  </p:clrMapOvr>
+</p:sld>
+</file>
+
+<file path=ppt/slides/slide2.xml><?xml version="1.0" encoding="utf-8"?>
+<p:sld xmlns:a="http://schemas.openxmlformats.org/drawingml/2006/main" xmlns:r="http://schemas.openxmlformats.org/officeDocument/2006/relationships" xmlns:p="http://schemas.openxmlformats.org/presentationml/2006/main">
+  <p:cSld>
+    <p:spTree>
+      <p:nvGrpSpPr>
+        <p:cNvPr id="1" name=""/>
+        <p:cNvGrpSpPr/>
+        <p:nvPr/>
+      </p:nvGrpSpPr>
+      <p:grpSpPr>
+        <a:xfrm>
+          <a:off x="0" y="0"/>
+          <a:ext cx="0" cy="0"/>
+          <a:chOff x="0" y="0"/>
+          <a:chExt cx="0" cy="0"/>
+        </a:xfrm>
+      </p:grpSpPr>
+      <p:sp>
+        <p:nvSpPr>
+          <p:cNvPr id="2" name="Rectangle 1">
+            <a:extLst>
+              <a:ext uri="{FF2B5EF4-FFF2-40B4-BE49-F238E27FC236}">
+                <a16:creationId xmlns:a16="http://schemas.microsoft.com/office/drawing/2014/main" id="{B7F8BC89-E27A-7236-5D53-96EDB5B0E934}"/>
               </a:ext>
             </a:extLst>
           </p:cNvPr>
@@ -3830,10 +3861,10 @@
       </p:sp>
       <p:sp>
         <p:nvSpPr>
-          <p:cNvPr id="27" name="TextBox 26">
-            <a:extLst>
-              <a:ext uri="{FF2B5EF4-FFF2-40B4-BE49-F238E27FC236}">
-                <a16:creationId xmlns:a16="http://schemas.microsoft.com/office/drawing/2014/main" id="{7B4FDFE6-8D4D-1BA0-9A00-F6D802A77707}"/>
+          <p:cNvPr id="3" name="TextBox 2">
+            <a:extLst>
+              <a:ext uri="{FF2B5EF4-FFF2-40B4-BE49-F238E27FC236}">
+                <a16:creationId xmlns:a16="http://schemas.microsoft.com/office/drawing/2014/main" id="{B5D1B1D5-D00B-002A-0C9A-C1FD7A9053A7}"/>
               </a:ext>
             </a:extLst>
           </p:cNvPr>
@@ -3869,10 +3900,10 @@
       </p:sp>
       <p:cxnSp>
         <p:nvCxnSpPr>
-          <p:cNvPr id="28" name="Straight Arrow Connector 27">
-            <a:extLst>
-              <a:ext uri="{FF2B5EF4-FFF2-40B4-BE49-F238E27FC236}">
-                <a16:creationId xmlns:a16="http://schemas.microsoft.com/office/drawing/2014/main" id="{926B60F2-DB63-DC19-1217-90E5205E7096}"/>
+          <p:cNvPr id="4" name="Straight Arrow Connector 3">
+            <a:extLst>
+              <a:ext uri="{FF2B5EF4-FFF2-40B4-BE49-F238E27FC236}">
+                <a16:creationId xmlns:a16="http://schemas.microsoft.com/office/drawing/2014/main" id="{58B36E9A-3C61-A5ED-94AD-894DC1223C87}"/>
               </a:ext>
             </a:extLst>
           </p:cNvPr>
@@ -3910,10 +3941,10 @@
       </p:cxnSp>
       <p:cxnSp>
         <p:nvCxnSpPr>
-          <p:cNvPr id="29" name="Straight Arrow Connector 28">
-            <a:extLst>
-              <a:ext uri="{FF2B5EF4-FFF2-40B4-BE49-F238E27FC236}">
-                <a16:creationId xmlns:a16="http://schemas.microsoft.com/office/drawing/2014/main" id="{0F7C8E52-6F8E-24FC-CD30-3C8B702BE35A}"/>
+          <p:cNvPr id="5" name="Straight Arrow Connector 4">
+            <a:extLst>
+              <a:ext uri="{FF2B5EF4-FFF2-40B4-BE49-F238E27FC236}">
+                <a16:creationId xmlns:a16="http://schemas.microsoft.com/office/drawing/2014/main" id="{773638FD-D75C-7A51-A56B-1ED20A6FE330}"/>
               </a:ext>
             </a:extLst>
           </p:cNvPr>
@@ -3951,10 +3982,10 @@
       </p:cxnSp>
       <p:sp>
         <p:nvSpPr>
-          <p:cNvPr id="36" name="Rectangle 35">
-            <a:extLst>
-              <a:ext uri="{FF2B5EF4-FFF2-40B4-BE49-F238E27FC236}">
-                <a16:creationId xmlns:a16="http://schemas.microsoft.com/office/drawing/2014/main" id="{243A68F8-AC18-FD76-B93D-B6889EB9F6B8}"/>
+          <p:cNvPr id="6" name="Rectangle 5">
+            <a:extLst>
+              <a:ext uri="{FF2B5EF4-FFF2-40B4-BE49-F238E27FC236}">
+                <a16:creationId xmlns:a16="http://schemas.microsoft.com/office/drawing/2014/main" id="{19CB745D-47FC-7896-1AAD-A1DC7223C2BC}"/>
               </a:ext>
             </a:extLst>
           </p:cNvPr>
@@ -4003,10 +4034,10 @@
       </p:sp>
       <p:sp>
         <p:nvSpPr>
-          <p:cNvPr id="37" name="TextBox 36">
-            <a:extLst>
-              <a:ext uri="{FF2B5EF4-FFF2-40B4-BE49-F238E27FC236}">
-                <a16:creationId xmlns:a16="http://schemas.microsoft.com/office/drawing/2014/main" id="{D7344C63-4F25-A4E9-3A80-65BD3395BE2F}"/>
+          <p:cNvPr id="7" name="TextBox 6">
+            <a:extLst>
+              <a:ext uri="{FF2B5EF4-FFF2-40B4-BE49-F238E27FC236}">
+                <a16:creationId xmlns:a16="http://schemas.microsoft.com/office/drawing/2014/main" id="{4EFE7293-E30A-54D1-948E-96730DC96ABD}"/>
               </a:ext>
             </a:extLst>
           </p:cNvPr>
@@ -4038,10 +4069,10 @@
       </p:sp>
       <p:cxnSp>
         <p:nvCxnSpPr>
-          <p:cNvPr id="38" name="Straight Arrow Connector 37">
-            <a:extLst>
-              <a:ext uri="{FF2B5EF4-FFF2-40B4-BE49-F238E27FC236}">
-                <a16:creationId xmlns:a16="http://schemas.microsoft.com/office/drawing/2014/main" id="{A6A6A4C2-76C9-46F8-5C3C-2449F64486EB}"/>
+          <p:cNvPr id="8" name="Straight Arrow Connector 7">
+            <a:extLst>
+              <a:ext uri="{FF2B5EF4-FFF2-40B4-BE49-F238E27FC236}">
+                <a16:creationId xmlns:a16="http://schemas.microsoft.com/office/drawing/2014/main" id="{D89D61CD-4D1B-B01B-6906-3433E07B4AB4}"/>
               </a:ext>
             </a:extLst>
           </p:cNvPr>
@@ -4079,10 +4110,10 @@
       </p:cxnSp>
       <p:cxnSp>
         <p:nvCxnSpPr>
-          <p:cNvPr id="39" name="Straight Arrow Connector 38">
-            <a:extLst>
-              <a:ext uri="{FF2B5EF4-FFF2-40B4-BE49-F238E27FC236}">
-                <a16:creationId xmlns:a16="http://schemas.microsoft.com/office/drawing/2014/main" id="{4B7C4ED0-7700-8A77-E1AD-BCDD08308D29}"/>
+          <p:cNvPr id="9" name="Straight Arrow Connector 8">
+            <a:extLst>
+              <a:ext uri="{FF2B5EF4-FFF2-40B4-BE49-F238E27FC236}">
+                <a16:creationId xmlns:a16="http://schemas.microsoft.com/office/drawing/2014/main" id="{C192DAE7-4F67-C98D-A552-A0B8ACCF60C1}"/>
               </a:ext>
             </a:extLst>
           </p:cNvPr>
@@ -4120,10 +4151,118 @@
       </p:cxnSp>
       <p:pic>
         <p:nvPicPr>
-          <p:cNvPr id="4" name="Picture 3" descr="A blue sound wave graph&#10;&#10;Description automatically generated">
-            <a:extLst>
-              <a:ext uri="{FF2B5EF4-FFF2-40B4-BE49-F238E27FC236}">
-                <a16:creationId xmlns:a16="http://schemas.microsoft.com/office/drawing/2014/main" id="{5152A162-BFE9-2799-1813-336D946F8482}"/>
+          <p:cNvPr id="10" name="Picture 9" descr="A blue sound wave graph&#10;&#10;Description automatically generated">
+            <a:extLst>
+              <a:ext uri="{FF2B5EF4-FFF2-40B4-BE49-F238E27FC236}">
+                <a16:creationId xmlns:a16="http://schemas.microsoft.com/office/drawing/2014/main" id="{4EE3D5C0-A203-097A-13CE-4AF120E5940F}"/>
+              </a:ext>
+            </a:extLst>
+          </p:cNvPr>
+          <p:cNvPicPr>
+            <a:picLocks noChangeAspect="1"/>
+          </p:cNvPicPr>
+          <p:nvPr/>
+        </p:nvPicPr>
+        <p:blipFill>
+          <a:blip r:embed="rId2">
+            <a:extLst>
+              <a:ext uri="{28A0092B-C50C-407E-A947-70E740481C1C}">
+                <a14:useLocalDpi xmlns:a14="http://schemas.microsoft.com/office/drawing/2010/main" val="0"/>
+              </a:ext>
+            </a:extLst>
+          </a:blip>
+          <a:stretch>
+            <a:fillRect/>
+          </a:stretch>
+        </p:blipFill>
+        <p:spPr>
+          <a:xfrm>
+            <a:off x="379666" y="3072724"/>
+            <a:ext cx="2214884" cy="1661163"/>
+          </a:xfrm>
+          <a:prstGeom prst="rect">
+            <a:avLst/>
+          </a:prstGeom>
+        </p:spPr>
+      </p:pic>
+      <p:pic>
+        <p:nvPicPr>
+          <p:cNvPr id="11" name="Picture 10" descr="A blue graph with black lines&#10;&#10;Description automatically generated">
+            <a:extLst>
+              <a:ext uri="{FF2B5EF4-FFF2-40B4-BE49-F238E27FC236}">
+                <a16:creationId xmlns:a16="http://schemas.microsoft.com/office/drawing/2014/main" id="{0C648978-6D30-29C5-0E5A-931E5CDA15F0}"/>
+              </a:ext>
+            </a:extLst>
+          </p:cNvPr>
+          <p:cNvPicPr>
+            <a:picLocks noChangeAspect="1"/>
+          </p:cNvPicPr>
+          <p:nvPr/>
+        </p:nvPicPr>
+        <p:blipFill>
+          <a:blip r:embed="rId3">
+            <a:extLst>
+              <a:ext uri="{28A0092B-C50C-407E-A947-70E740481C1C}">
+                <a14:useLocalDpi xmlns:a14="http://schemas.microsoft.com/office/drawing/2010/main" val="0"/>
+              </a:ext>
+            </a:extLst>
+          </a:blip>
+          <a:stretch>
+            <a:fillRect/>
+          </a:stretch>
+        </p:blipFill>
+        <p:spPr>
+          <a:xfrm>
+            <a:off x="379666" y="4780519"/>
+            <a:ext cx="2214884" cy="1661163"/>
+          </a:xfrm>
+          <a:prstGeom prst="rect">
+            <a:avLst/>
+          </a:prstGeom>
+        </p:spPr>
+      </p:pic>
+      <p:pic>
+        <p:nvPicPr>
+          <p:cNvPr id="12" name="Picture 11" descr="A blue line graph with numbers&#10;&#10;Description automatically generated">
+            <a:extLst>
+              <a:ext uri="{FF2B5EF4-FFF2-40B4-BE49-F238E27FC236}">
+                <a16:creationId xmlns:a16="http://schemas.microsoft.com/office/drawing/2014/main" id="{1586F75C-47C2-4120-A528-94A568431A63}"/>
+              </a:ext>
+            </a:extLst>
+          </p:cNvPr>
+          <p:cNvPicPr>
+            <a:picLocks noChangeAspect="1"/>
+          </p:cNvPicPr>
+          <p:nvPr/>
+        </p:nvPicPr>
+        <p:blipFill>
+          <a:blip r:embed="rId4">
+            <a:extLst>
+              <a:ext uri="{28A0092B-C50C-407E-A947-70E740481C1C}">
+                <a14:useLocalDpi xmlns:a14="http://schemas.microsoft.com/office/drawing/2010/main" val="0"/>
+              </a:ext>
+            </a:extLst>
+          </a:blip>
+          <a:stretch>
+            <a:fillRect/>
+          </a:stretch>
+        </p:blipFill>
+        <p:spPr>
+          <a:xfrm>
+            <a:off x="5082423" y="3046085"/>
+            <a:ext cx="2214884" cy="1661163"/>
+          </a:xfrm>
+          <a:prstGeom prst="rect">
+            <a:avLst/>
+          </a:prstGeom>
+        </p:spPr>
+      </p:pic>
+      <p:pic>
+        <p:nvPicPr>
+          <p:cNvPr id="13" name="Picture 12" descr="A blue graph with black lines&#10;&#10;Description automatically generated">
+            <a:extLst>
+              <a:ext uri="{FF2B5EF4-FFF2-40B4-BE49-F238E27FC236}">
+                <a16:creationId xmlns:a16="http://schemas.microsoft.com/office/drawing/2014/main" id="{931DDBFE-25C0-5AA6-ACA4-9FFD71055A12}"/>
               </a:ext>
             </a:extLst>
           </p:cNvPr>
@@ -4146,7 +4285,7 @@
         </p:blipFill>
         <p:spPr>
           <a:xfrm>
-            <a:off x="379666" y="3072724"/>
+            <a:off x="5140236" y="4846146"/>
             <a:ext cx="2214884" cy="1661163"/>
           </a:xfrm>
           <a:prstGeom prst="rect">
@@ -4156,10 +4295,10 @@
       </p:pic>
       <p:pic>
         <p:nvPicPr>
-          <p:cNvPr id="7" name="Picture 6" descr="A blue graph with black lines&#10;&#10;Description automatically generated">
-            <a:extLst>
-              <a:ext uri="{FF2B5EF4-FFF2-40B4-BE49-F238E27FC236}">
-                <a16:creationId xmlns:a16="http://schemas.microsoft.com/office/drawing/2014/main" id="{4F088A48-6E9A-1185-BADA-2320BE5CE691}"/>
+          <p:cNvPr id="14" name="Picture 13">
+            <a:extLst>
+              <a:ext uri="{FF2B5EF4-FFF2-40B4-BE49-F238E27FC236}">
+                <a16:creationId xmlns:a16="http://schemas.microsoft.com/office/drawing/2014/main" id="{51855E24-7995-D50C-312F-864D12C9B919}"/>
               </a:ext>
             </a:extLst>
           </p:cNvPr>
@@ -4182,8 +4321,8 @@
         </p:blipFill>
         <p:spPr>
           <a:xfrm>
-            <a:off x="379666" y="4780519"/>
-            <a:ext cx="2214884" cy="1661163"/>
+            <a:off x="9639418" y="3172189"/>
+            <a:ext cx="2214885" cy="1661164"/>
           </a:xfrm>
           <a:prstGeom prst="rect">
             <a:avLst/>
@@ -4192,10 +4331,10 @@
       </p:pic>
       <p:pic>
         <p:nvPicPr>
-          <p:cNvPr id="12" name="Picture 11" descr="A blue line graph with numbers&#10;&#10;Description automatically generated">
-            <a:extLst>
-              <a:ext uri="{FF2B5EF4-FFF2-40B4-BE49-F238E27FC236}">
-                <a16:creationId xmlns:a16="http://schemas.microsoft.com/office/drawing/2014/main" id="{2E7367E5-4D2B-92DF-8A5F-0752C51475BF}"/>
+          <p:cNvPr id="15" name="Picture 14" descr="A blue graph with black lines&#10;&#10;Description automatically generated">
+            <a:extLst>
+              <a:ext uri="{FF2B5EF4-FFF2-40B4-BE49-F238E27FC236}">
+                <a16:creationId xmlns:a16="http://schemas.microsoft.com/office/drawing/2014/main" id="{369C03F9-FCCD-F798-1B18-9D311D35900C}"/>
               </a:ext>
             </a:extLst>
           </p:cNvPr>
@@ -4218,114 +4357,6 @@
         </p:blipFill>
         <p:spPr>
           <a:xfrm>
-            <a:off x="5082423" y="3046085"/>
-            <a:ext cx="2214884" cy="1661163"/>
-          </a:xfrm>
-          <a:prstGeom prst="rect">
-            <a:avLst/>
-          </a:prstGeom>
-        </p:spPr>
-      </p:pic>
-      <p:pic>
-        <p:nvPicPr>
-          <p:cNvPr id="14" name="Picture 13" descr="A blue graph with black lines&#10;&#10;Description automatically generated">
-            <a:extLst>
-              <a:ext uri="{FF2B5EF4-FFF2-40B4-BE49-F238E27FC236}">
-                <a16:creationId xmlns:a16="http://schemas.microsoft.com/office/drawing/2014/main" id="{DF10A276-F345-9992-83F2-9F14DEBB9C6F}"/>
-              </a:ext>
-            </a:extLst>
-          </p:cNvPr>
-          <p:cNvPicPr>
-            <a:picLocks noChangeAspect="1"/>
-          </p:cNvPicPr>
-          <p:nvPr/>
-        </p:nvPicPr>
-        <p:blipFill>
-          <a:blip r:embed="rId8">
-            <a:extLst>
-              <a:ext uri="{28A0092B-C50C-407E-A947-70E740481C1C}">
-                <a14:useLocalDpi xmlns:a14="http://schemas.microsoft.com/office/drawing/2010/main" val="0"/>
-              </a:ext>
-            </a:extLst>
-          </a:blip>
-          <a:stretch>
-            <a:fillRect/>
-          </a:stretch>
-        </p:blipFill>
-        <p:spPr>
-          <a:xfrm>
-            <a:off x="5140236" y="4846146"/>
-            <a:ext cx="2214884" cy="1661163"/>
-          </a:xfrm>
-          <a:prstGeom prst="rect">
-            <a:avLst/>
-          </a:prstGeom>
-        </p:spPr>
-      </p:pic>
-      <p:pic>
-        <p:nvPicPr>
-          <p:cNvPr id="19" name="Picture 18">
-            <a:extLst>
-              <a:ext uri="{FF2B5EF4-FFF2-40B4-BE49-F238E27FC236}">
-                <a16:creationId xmlns:a16="http://schemas.microsoft.com/office/drawing/2014/main" id="{8A1968F4-45A7-1199-4D37-0C09A20B74A7}"/>
-              </a:ext>
-            </a:extLst>
-          </p:cNvPr>
-          <p:cNvPicPr>
-            <a:picLocks noChangeAspect="1"/>
-          </p:cNvPicPr>
-          <p:nvPr/>
-        </p:nvPicPr>
-        <p:blipFill>
-          <a:blip r:embed="rId9">
-            <a:extLst>
-              <a:ext uri="{28A0092B-C50C-407E-A947-70E740481C1C}">
-                <a14:useLocalDpi xmlns:a14="http://schemas.microsoft.com/office/drawing/2010/main" val="0"/>
-              </a:ext>
-            </a:extLst>
-          </a:blip>
-          <a:stretch>
-            <a:fillRect/>
-          </a:stretch>
-        </p:blipFill>
-        <p:spPr>
-          <a:xfrm>
-            <a:off x="9639418" y="3172189"/>
-            <a:ext cx="2214885" cy="1661164"/>
-          </a:xfrm>
-          <a:prstGeom prst="rect">
-            <a:avLst/>
-          </a:prstGeom>
-        </p:spPr>
-      </p:pic>
-      <p:pic>
-        <p:nvPicPr>
-          <p:cNvPr id="30" name="Picture 29" descr="A blue graph with black lines&#10;&#10;Description automatically generated">
-            <a:extLst>
-              <a:ext uri="{FF2B5EF4-FFF2-40B4-BE49-F238E27FC236}">
-                <a16:creationId xmlns:a16="http://schemas.microsoft.com/office/drawing/2014/main" id="{8971810C-FA82-E494-8628-9436CD606513}"/>
-              </a:ext>
-            </a:extLst>
-          </p:cNvPr>
-          <p:cNvPicPr>
-            <a:picLocks noChangeAspect="1"/>
-          </p:cNvPicPr>
-          <p:nvPr/>
-        </p:nvPicPr>
-        <p:blipFill>
-          <a:blip r:embed="rId10">
-            <a:extLst>
-              <a:ext uri="{28A0092B-C50C-407E-A947-70E740481C1C}">
-                <a14:useLocalDpi xmlns:a14="http://schemas.microsoft.com/office/drawing/2010/main" val="0"/>
-              </a:ext>
-            </a:extLst>
-          </a:blip>
-          <a:stretch>
-            <a:fillRect/>
-          </a:stretch>
-        </p:blipFill>
-        <p:spPr>
-          <a:xfrm>
             <a:off x="9639419" y="4846146"/>
             <a:ext cx="2214885" cy="1661164"/>
           </a:xfrm>
@@ -4337,7 +4368,7 @@
     </p:spTree>
     <p:extLst>
       <p:ext uri="{BB962C8B-B14F-4D97-AF65-F5344CB8AC3E}">
-        <p14:creationId xmlns:p14="http://schemas.microsoft.com/office/powerpoint/2010/main" val="1601388228"/>
+        <p14:creationId xmlns:p14="http://schemas.microsoft.com/office/powerpoint/2010/main" val="4246080305"/>
       </p:ext>
     </p:extLst>
   </p:cSld>
